--- a/documents/Amogus (веб-приложение).pptx
+++ b/documents/Amogus (веб-приложение).pptx
@@ -296,7 +296,7 @@
             <a:fld id="{87DE6118-2437-4B30-8E3C-4D2BE6020583}" type="datetimeFigureOut">
               <a:rPr lang="en-US" dirty="0"/>
               <a:pPr/>
-              <a:t>5/16/2022</a:t>
+              <a:t>5/20/2022</a:t>
             </a:fld>
             <a:endParaRPr lang="en-US" dirty="0"/>
           </a:p>
@@ -622,7 +622,7 @@
           <a:p>
             <a:fld id="{87DE6118-2437-4B30-8E3C-4D2BE6020583}" type="datetimeFigureOut">
               <a:rPr lang="en-US" dirty="0"/>
-              <a:t>5/16/2022</a:t>
+              <a:t>5/20/2022</a:t>
             </a:fld>
             <a:endParaRPr lang="en-US" dirty="0"/>
           </a:p>
@@ -797,7 +797,7 @@
           <a:p>
             <a:fld id="{87DE6118-2437-4B30-8E3C-4D2BE6020583}" type="datetimeFigureOut">
               <a:rPr lang="en-US" dirty="0"/>
-              <a:t>5/16/2022</a:t>
+              <a:t>5/20/2022</a:t>
             </a:fld>
             <a:endParaRPr lang="en-US" dirty="0"/>
           </a:p>
@@ -962,7 +962,7 @@
           <a:p>
             <a:fld id="{87DE6118-2437-4B30-8E3C-4D2BE6020583}" type="datetimeFigureOut">
               <a:rPr lang="en-US" dirty="0"/>
-              <a:t>5/16/2022</a:t>
+              <a:t>5/20/2022</a:t>
             </a:fld>
             <a:endParaRPr lang="en-US" dirty="0"/>
           </a:p>
@@ -1235,7 +1235,7 @@
             <a:fld id="{87DE6118-2437-4B30-8E3C-4D2BE6020583}" type="datetimeFigureOut">
               <a:rPr lang="en-US" dirty="0"/>
               <a:pPr/>
-              <a:t>5/16/2022</a:t>
+              <a:t>5/20/2022</a:t>
             </a:fld>
             <a:endParaRPr lang="en-US" dirty="0"/>
           </a:p>
@@ -1625,7 +1625,7 @@
           <a:p>
             <a:fld id="{87DE6118-2437-4B30-8E3C-4D2BE6020583}" type="datetimeFigureOut">
               <a:rPr lang="en-US" dirty="0"/>
-              <a:t>5/16/2022</a:t>
+              <a:t>5/20/2022</a:t>
             </a:fld>
             <a:endParaRPr lang="en-US" dirty="0"/>
           </a:p>
@@ -2097,7 +2097,7 @@
           <a:p>
             <a:fld id="{87DE6118-2437-4B30-8E3C-4D2BE6020583}" type="datetimeFigureOut">
               <a:rPr lang="en-US" dirty="0"/>
-              <a:t>5/16/2022</a:t>
+              <a:t>5/20/2022</a:t>
             </a:fld>
             <a:endParaRPr lang="en-US" dirty="0"/>
           </a:p>
@@ -2210,7 +2210,7 @@
           <a:p>
             <a:fld id="{87DE6118-2437-4B30-8E3C-4D2BE6020583}" type="datetimeFigureOut">
               <a:rPr lang="en-US" dirty="0"/>
-              <a:t>5/16/2022</a:t>
+              <a:t>5/20/2022</a:t>
             </a:fld>
             <a:endParaRPr lang="en-US" dirty="0"/>
           </a:p>
@@ -2300,7 +2300,7 @@
           <a:p>
             <a:fld id="{87DE6118-2437-4B30-8E3C-4D2BE6020583}" type="datetimeFigureOut">
               <a:rPr lang="en-US" dirty="0"/>
-              <a:t>5/16/2022</a:t>
+              <a:t>5/20/2022</a:t>
             </a:fld>
             <a:endParaRPr lang="en-US" dirty="0"/>
           </a:p>
@@ -2642,7 +2642,7 @@
             <a:fld id="{87DE6118-2437-4B30-8E3C-4D2BE6020583}" type="datetimeFigureOut">
               <a:rPr lang="en-US" dirty="0"/>
               <a:pPr/>
-              <a:t>5/16/2022</a:t>
+              <a:t>5/20/2022</a:t>
             </a:fld>
             <a:endParaRPr lang="en-US" dirty="0"/>
           </a:p>
@@ -3027,7 +3027,7 @@
             <a:fld id="{87DE6118-2437-4B30-8E3C-4D2BE6020583}" type="datetimeFigureOut">
               <a:rPr lang="en-US" dirty="0"/>
               <a:pPr/>
-              <a:t>5/16/2022</a:t>
+              <a:t>5/20/2022</a:t>
             </a:fld>
             <a:endParaRPr lang="en-US" dirty="0"/>
           </a:p>
@@ -3302,7 +3302,7 @@
             <a:fld id="{87DE6118-2437-4B30-8E3C-4D2BE6020583}" type="datetimeFigureOut">
               <a:rPr lang="en-US" dirty="0"/>
               <a:pPr/>
-              <a:t>5/16/2022</a:t>
+              <a:t>5/20/2022</a:t>
             </a:fld>
             <a:endParaRPr lang="en-US" dirty="0"/>
           </a:p>
@@ -3837,35 +3837,14 @@
           <a:lstStyle/>
           <a:p>
             <a:r>
-              <a:rPr lang="en-US" sz="5400" dirty="0">
+              <a:rPr lang="ru-RU" sz="3600">
                 <a:latin typeface="+mn-lt"/>
               </a:rPr>
-              <a:t>Amogus</a:t>
-            </a:r>
-            <a:r>
-              <a:rPr lang="en-US" dirty="0">
-                <a:latin typeface="+mn-lt"/>
-              </a:rPr>
-              <a:t> </a:t>
-            </a:r>
-            <a:r>
-              <a:rPr lang="en-US" sz="4000" dirty="0">
-                <a:latin typeface="+mn-lt"/>
-              </a:rPr>
-              <a:t>(</a:t>
-            </a:r>
-            <a:r>
-              <a:rPr lang="ru-RU" sz="2800" dirty="0">
-                <a:latin typeface="+mn-lt"/>
-              </a:rPr>
-              <a:t>веб-приложение</a:t>
-            </a:r>
-            <a:r>
-              <a:rPr lang="ru-RU" sz="4000" dirty="0">
-                <a:latin typeface="+mn-lt"/>
-              </a:rPr>
-              <a:t>)</a:t>
-            </a:r>
+              <a:t>Веб-приложение для взаимодействия с яндекс диском</a:t>
+            </a:r>
+            <a:endParaRPr lang="ru-RU" sz="3600" dirty="0">
+              <a:latin typeface="+mn-lt"/>
+            </a:endParaRPr>
           </a:p>
         </p:txBody>
       </p:sp>
